--- a/Documentación/Presentaciones/PresentacionFinal.pptx
+++ b/Documentación/Presentaciones/PresentacionFinal.pptx
@@ -333,7 +333,7 @@
           <a:p>
             <a:fld id="{8F1BD095-29DD-430D-9001-6D4A01DD4D12}" type="datetimeFigureOut">
               <a:rPr lang="es-CO" smtClean="0"/>
-              <a:t>21/05/2018</a:t>
+              <a:t>22/05/2018</a:t>
             </a:fld>
             <a:endParaRPr lang="es-CO"/>
           </a:p>
@@ -375,7 +375,7 @@
           <a:p>
             <a:fld id="{3FD90C98-A81C-4DBA-9004-E2EE692B41BA}" type="slidenum">
               <a:rPr lang="es-CO" smtClean="0"/>
-              <a:t>‹#›</a:t>
+              <a:t>‹Nº›</a:t>
             </a:fld>
             <a:endParaRPr lang="es-CO"/>
           </a:p>
@@ -624,7 +624,7 @@
           <a:p>
             <a:fld id="{8F1BD095-29DD-430D-9001-6D4A01DD4D12}" type="datetimeFigureOut">
               <a:rPr lang="es-CO" smtClean="0"/>
-              <a:t>21/05/2018</a:t>
+              <a:t>22/05/2018</a:t>
             </a:fld>
             <a:endParaRPr lang="es-CO"/>
           </a:p>
@@ -666,7 +666,7 @@
           <a:p>
             <a:fld id="{3FD90C98-A81C-4DBA-9004-E2EE692B41BA}" type="slidenum">
               <a:rPr lang="es-CO" smtClean="0"/>
-              <a:t>‹#›</a:t>
+              <a:t>‹Nº›</a:t>
             </a:fld>
             <a:endParaRPr lang="es-CO"/>
           </a:p>
@@ -883,7 +883,7 @@
           <a:p>
             <a:fld id="{8F1BD095-29DD-430D-9001-6D4A01DD4D12}" type="datetimeFigureOut">
               <a:rPr lang="es-CO" smtClean="0"/>
-              <a:t>21/05/2018</a:t>
+              <a:t>22/05/2018</a:t>
             </a:fld>
             <a:endParaRPr lang="es-CO"/>
           </a:p>
@@ -925,7 +925,7 @@
           <a:p>
             <a:fld id="{3FD90C98-A81C-4DBA-9004-E2EE692B41BA}" type="slidenum">
               <a:rPr lang="es-CO" smtClean="0"/>
-              <a:t>‹#›</a:t>
+              <a:t>‹Nº›</a:t>
             </a:fld>
             <a:endParaRPr lang="es-CO"/>
           </a:p>
@@ -1352,7 +1352,7 @@
           <a:p>
             <a:fld id="{8F1BD095-29DD-430D-9001-6D4A01DD4D12}" type="datetimeFigureOut">
               <a:rPr lang="es-CO" smtClean="0"/>
-              <a:t>21/05/2018</a:t>
+              <a:t>22/05/2018</a:t>
             </a:fld>
             <a:endParaRPr lang="es-CO"/>
           </a:p>
@@ -1394,7 +1394,7 @@
           <a:p>
             <a:fld id="{3FD90C98-A81C-4DBA-9004-E2EE692B41BA}" type="slidenum">
               <a:rPr lang="es-CO" smtClean="0"/>
-              <a:t>‹#›</a:t>
+              <a:t>‹Nº›</a:t>
             </a:fld>
             <a:endParaRPr lang="es-CO"/>
           </a:p>
@@ -1532,7 +1532,7 @@
           <a:p>
             <a:fld id="{8F1BD095-29DD-430D-9001-6D4A01DD4D12}" type="datetimeFigureOut">
               <a:rPr lang="es-CO" smtClean="0"/>
-              <a:t>21/05/2018</a:t>
+              <a:t>22/05/2018</a:t>
             </a:fld>
             <a:endParaRPr lang="es-CO"/>
           </a:p>
@@ -1574,7 +1574,7 @@
           <a:p>
             <a:fld id="{3FD90C98-A81C-4DBA-9004-E2EE692B41BA}" type="slidenum">
               <a:rPr lang="es-CO" smtClean="0"/>
-              <a:t>‹#›</a:t>
+              <a:t>‹Nº›</a:t>
             </a:fld>
             <a:endParaRPr lang="es-CO"/>
           </a:p>
@@ -2108,7 +2108,7 @@
           <a:p>
             <a:fld id="{8F1BD095-29DD-430D-9001-6D4A01DD4D12}" type="datetimeFigureOut">
               <a:rPr lang="es-CO" smtClean="0"/>
-              <a:t>21/05/2018</a:t>
+              <a:t>22/05/2018</a:t>
             </a:fld>
             <a:endParaRPr lang="es-CO"/>
           </a:p>
@@ -2150,7 +2150,7 @@
           <a:p>
             <a:fld id="{3FD90C98-A81C-4DBA-9004-E2EE692B41BA}" type="slidenum">
               <a:rPr lang="es-CO" smtClean="0"/>
-              <a:t>‹#›</a:t>
+              <a:t>‹Nº›</a:t>
             </a:fld>
             <a:endParaRPr lang="es-CO"/>
           </a:p>
@@ -2440,7 +2440,7 @@
           <a:p>
             <a:fld id="{8F1BD095-29DD-430D-9001-6D4A01DD4D12}" type="datetimeFigureOut">
               <a:rPr lang="es-CO" smtClean="0"/>
-              <a:t>21/05/2018</a:t>
+              <a:t>22/05/2018</a:t>
             </a:fld>
             <a:endParaRPr lang="es-CO"/>
           </a:p>
@@ -2482,7 +2482,7 @@
           <a:p>
             <a:fld id="{3FD90C98-A81C-4DBA-9004-E2EE692B41BA}" type="slidenum">
               <a:rPr lang="es-CO" smtClean="0"/>
-              <a:t>‹#›</a:t>
+              <a:t>‹Nº›</a:t>
             </a:fld>
             <a:endParaRPr lang="es-CO"/>
           </a:p>
@@ -2615,7 +2615,7 @@
           <a:p>
             <a:fld id="{8F1BD095-29DD-430D-9001-6D4A01DD4D12}" type="datetimeFigureOut">
               <a:rPr lang="es-CO" smtClean="0"/>
-              <a:t>21/05/2018</a:t>
+              <a:t>22/05/2018</a:t>
             </a:fld>
             <a:endParaRPr lang="es-CO"/>
           </a:p>
@@ -2657,7 +2657,7 @@
           <a:p>
             <a:fld id="{3FD90C98-A81C-4DBA-9004-E2EE692B41BA}" type="slidenum">
               <a:rPr lang="es-CO" smtClean="0"/>
-              <a:t>‹#›</a:t>
+              <a:t>‹Nº›</a:t>
             </a:fld>
             <a:endParaRPr lang="es-CO"/>
           </a:p>
@@ -2795,7 +2795,7 @@
           <a:p>
             <a:fld id="{8F1BD095-29DD-430D-9001-6D4A01DD4D12}" type="datetimeFigureOut">
               <a:rPr lang="es-CO" smtClean="0"/>
-              <a:t>21/05/2018</a:t>
+              <a:t>22/05/2018</a:t>
             </a:fld>
             <a:endParaRPr lang="es-CO"/>
           </a:p>
@@ -2837,7 +2837,7 @@
           <a:p>
             <a:fld id="{3FD90C98-A81C-4DBA-9004-E2EE692B41BA}" type="slidenum">
               <a:rPr lang="es-CO" smtClean="0"/>
-              <a:t>‹#›</a:t>
+              <a:t>‹Nº›</a:t>
             </a:fld>
             <a:endParaRPr lang="es-CO"/>
           </a:p>
@@ -2965,7 +2965,7 @@
           <a:p>
             <a:fld id="{8F1BD095-29DD-430D-9001-6D4A01DD4D12}" type="datetimeFigureOut">
               <a:rPr lang="es-CO" smtClean="0"/>
-              <a:t>21/05/2018</a:t>
+              <a:t>22/05/2018</a:t>
             </a:fld>
             <a:endParaRPr lang="es-CO"/>
           </a:p>
@@ -3007,7 +3007,7 @@
           <a:p>
             <a:fld id="{3FD90C98-A81C-4DBA-9004-E2EE692B41BA}" type="slidenum">
               <a:rPr lang="es-CO" smtClean="0"/>
-              <a:t>‹#›</a:t>
+              <a:t>‹Nº›</a:t>
             </a:fld>
             <a:endParaRPr lang="es-CO"/>
           </a:p>
@@ -3222,7 +3222,7 @@
           <a:p>
             <a:fld id="{8F1BD095-29DD-430D-9001-6D4A01DD4D12}" type="datetimeFigureOut">
               <a:rPr lang="es-CO" smtClean="0"/>
-              <a:t>21/05/2018</a:t>
+              <a:t>22/05/2018</a:t>
             </a:fld>
             <a:endParaRPr lang="es-CO"/>
           </a:p>
@@ -3264,7 +3264,7 @@
           <a:p>
             <a:fld id="{3FD90C98-A81C-4DBA-9004-E2EE692B41BA}" type="slidenum">
               <a:rPr lang="es-CO" smtClean="0"/>
-              <a:t>‹#›</a:t>
+              <a:t>‹Nº›</a:t>
             </a:fld>
             <a:endParaRPr lang="es-CO"/>
           </a:p>
@@ -3514,7 +3514,7 @@
           <a:p>
             <a:fld id="{8F1BD095-29DD-430D-9001-6D4A01DD4D12}" type="datetimeFigureOut">
               <a:rPr lang="es-CO" smtClean="0"/>
-              <a:t>21/05/2018</a:t>
+              <a:t>22/05/2018</a:t>
             </a:fld>
             <a:endParaRPr lang="es-CO"/>
           </a:p>
@@ -3556,7 +3556,7 @@
           <a:p>
             <a:fld id="{3FD90C98-A81C-4DBA-9004-E2EE692B41BA}" type="slidenum">
               <a:rPr lang="es-CO" smtClean="0"/>
-              <a:t>‹#›</a:t>
+              <a:t>‹Nº›</a:t>
             </a:fld>
             <a:endParaRPr lang="es-CO"/>
           </a:p>
@@ -3944,7 +3944,7 @@
           <a:p>
             <a:fld id="{8F1BD095-29DD-430D-9001-6D4A01DD4D12}" type="datetimeFigureOut">
               <a:rPr lang="es-CO" smtClean="0"/>
-              <a:t>21/05/2018</a:t>
+              <a:t>22/05/2018</a:t>
             </a:fld>
             <a:endParaRPr lang="es-CO"/>
           </a:p>
@@ -3986,7 +3986,7 @@
           <a:p>
             <a:fld id="{3FD90C98-A81C-4DBA-9004-E2EE692B41BA}" type="slidenum">
               <a:rPr lang="es-CO" smtClean="0"/>
-              <a:t>‹#›</a:t>
+              <a:t>‹Nº›</a:t>
             </a:fld>
             <a:endParaRPr lang="es-CO"/>
           </a:p>
@@ -4062,7 +4062,7 @@
           <a:p>
             <a:fld id="{8F1BD095-29DD-430D-9001-6D4A01DD4D12}" type="datetimeFigureOut">
               <a:rPr lang="es-CO" smtClean="0"/>
-              <a:t>21/05/2018</a:t>
+              <a:t>22/05/2018</a:t>
             </a:fld>
             <a:endParaRPr lang="es-CO"/>
           </a:p>
@@ -4104,7 +4104,7 @@
           <a:p>
             <a:fld id="{3FD90C98-A81C-4DBA-9004-E2EE692B41BA}" type="slidenum">
               <a:rPr lang="es-CO" smtClean="0"/>
-              <a:t>‹#›</a:t>
+              <a:t>‹Nº›</a:t>
             </a:fld>
             <a:endParaRPr lang="es-CO"/>
           </a:p>
@@ -4157,7 +4157,7 @@
           <a:p>
             <a:fld id="{8F1BD095-29DD-430D-9001-6D4A01DD4D12}" type="datetimeFigureOut">
               <a:rPr lang="es-CO" smtClean="0"/>
-              <a:t>21/05/2018</a:t>
+              <a:t>22/05/2018</a:t>
             </a:fld>
             <a:endParaRPr lang="es-CO"/>
           </a:p>
@@ -4199,7 +4199,7 @@
           <a:p>
             <a:fld id="{3FD90C98-A81C-4DBA-9004-E2EE692B41BA}" type="slidenum">
               <a:rPr lang="es-CO" smtClean="0"/>
-              <a:t>‹#›</a:t>
+              <a:t>‹Nº›</a:t>
             </a:fld>
             <a:endParaRPr lang="es-CO"/>
           </a:p>
@@ -4440,7 +4440,7 @@
           <a:p>
             <a:fld id="{8F1BD095-29DD-430D-9001-6D4A01DD4D12}" type="datetimeFigureOut">
               <a:rPr lang="es-CO" smtClean="0"/>
-              <a:t>21/05/2018</a:t>
+              <a:t>22/05/2018</a:t>
             </a:fld>
             <a:endParaRPr lang="es-CO"/>
           </a:p>
@@ -4482,7 +4482,7 @@
           <a:p>
             <a:fld id="{3FD90C98-A81C-4DBA-9004-E2EE692B41BA}" type="slidenum">
               <a:rPr lang="es-CO" smtClean="0"/>
-              <a:t>‹#›</a:t>
+              <a:t>‹Nº›</a:t>
             </a:fld>
             <a:endParaRPr lang="es-CO"/>
           </a:p>
@@ -4731,7 +4731,7 @@
           <a:p>
             <a:fld id="{8F1BD095-29DD-430D-9001-6D4A01DD4D12}" type="datetimeFigureOut">
               <a:rPr lang="es-CO" smtClean="0"/>
-              <a:t>21/05/2018</a:t>
+              <a:t>22/05/2018</a:t>
             </a:fld>
             <a:endParaRPr lang="es-CO"/>
           </a:p>
@@ -4783,7 +4783,7 @@
           <a:p>
             <a:fld id="{3FD90C98-A81C-4DBA-9004-E2EE692B41BA}" type="slidenum">
               <a:rPr lang="es-CO" smtClean="0"/>
-              <a:t>‹#›</a:t>
+              <a:t>‹Nº›</a:t>
             </a:fld>
             <a:endParaRPr lang="es-CO"/>
           </a:p>
@@ -4962,7 +4962,7 @@
           <a:p>
             <a:fld id="{8F1BD095-29DD-430D-9001-6D4A01DD4D12}" type="datetimeFigureOut">
               <a:rPr lang="es-CO" smtClean="0"/>
-              <a:t>21/05/2018</a:t>
+              <a:t>22/05/2018</a:t>
             </a:fld>
             <a:endParaRPr lang="es-CO"/>
           </a:p>
@@ -5056,7 +5056,7 @@
           <a:p>
             <a:fld id="{3FD90C98-A81C-4DBA-9004-E2EE692B41BA}" type="slidenum">
               <a:rPr lang="es-CO" smtClean="0"/>
-              <a:t>‹#›</a:t>
+              <a:t>‹Nº›</a:t>
             </a:fld>
             <a:endParaRPr lang="es-CO"/>
           </a:p>
@@ -21376,14 +21376,14 @@
           <a:p>
             <a:pPr lvl="0"/>
             <a:r>
-              <a:rPr lang="es-419" sz="3600" b="1">
+              <a:rPr lang="es-419" sz="3600" b="1" dirty="0">
                 <a:solidFill>
                   <a:sysClr val="window" lastClr="FFFFFF"/>
                 </a:solidFill>
               </a:rPr>
-              <a:t>   Concluciones</a:t>
+              <a:t>   Conclusiones</a:t>
             </a:r>
-            <a:endParaRPr kumimoji="0" lang="es-419" sz="3600" b="0" i="0" u="none" strike="noStrike" kern="1200" cap="none" spc="0" normalizeH="0" baseline="0">
+            <a:endParaRPr kumimoji="0" lang="es-419" sz="3600" b="0" i="0" u="none" strike="noStrike" kern="1200" cap="none" spc="0" normalizeH="0" baseline="0" dirty="0">
               <a:ln>
                 <a:noFill/>
               </a:ln>
@@ -21444,7 +21444,7 @@
               <a:rPr lang="es-419" dirty="0">
                 <a:latin typeface="Arial Black" panose="020B0A04020102020204" pitchFamily="34" charset="0"/>
               </a:rPr>
-              <a:t> permite una fácil implementación de la variabilidad de la aplicación al emplear con condicionales, pero se deben tener muy presentes las dependencias, pues se pueden eliminar elementos interdependientes generado así problemas de compilación.</a:t>
+              <a:t> permite una fácil implementación de la variabilidad de la aplicación al emplear condicionales pero se deben tener presentes las dependencias porque se pueden eliminar elementos interdependientes generando así problemas de compilación.</a:t>
             </a:r>
           </a:p>
           <a:p>
@@ -21461,14 +21461,10 @@
               <a:rPr lang="es-419" dirty="0">
                 <a:latin typeface="Arial Black" panose="020B0A04020102020204" pitchFamily="34" charset="0"/>
               </a:rPr>
-              <a:t>Encontrar errores es supremamente difícil, pues los errores suministrados son genéricos y no especifican claramente las causas.</a:t>
+              <a:t>Encontrar errores es difícil, pues los mensajes de error suministrados son genéricos y no especifican claramente las causas.</a:t>
             </a:r>
           </a:p>
           <a:p>
-            <a:pPr marL="285750" indent="-285750">
-              <a:buFont typeface="Arial"/>
-              <a:buChar char="•"/>
-            </a:pPr>
             <a:endParaRPr lang="es-419" dirty="0">
               <a:latin typeface="Arial Black" panose="020B0A04020102020204" pitchFamily="34" charset="0"/>
             </a:endParaRPr>
